--- a/PPT/03) 2일차-RNN & 시계열 데이터.pptx
+++ b/PPT/03) 2일차-RNN & 시계열 데이터.pptx
@@ -214,7 +214,7 @@
           <a:p>
             <a:fld id="{1B6E3774-0E21-4466-89FE-47F912FC75D3}" type="datetimeFigureOut">
               <a:rPr lang="ko-KR" altLang="en-US" smtClean="0"/>
-              <a:t>2020-08-04</a:t>
+              <a:t>2020-08-08</a:t>
             </a:fld>
             <a:endParaRPr lang="ko-KR" altLang="en-US"/>
           </a:p>
@@ -702,7 +702,7 @@
           <a:p>
             <a:fld id="{ACDEFF3B-8A07-4FB1-9BE4-BDB72A1F7CD9}" type="datetimeFigureOut">
               <a:rPr lang="ko-KR" altLang="en-US" smtClean="0"/>
-              <a:t>2020-08-04</a:t>
+              <a:t>2020-08-08</a:t>
             </a:fld>
             <a:endParaRPr lang="ko-KR" altLang="en-US"/>
           </a:p>
@@ -872,7 +872,7 @@
           <a:p>
             <a:fld id="{ACDEFF3B-8A07-4FB1-9BE4-BDB72A1F7CD9}" type="datetimeFigureOut">
               <a:rPr lang="ko-KR" altLang="en-US" smtClean="0"/>
-              <a:t>2020-08-04</a:t>
+              <a:t>2020-08-08</a:t>
             </a:fld>
             <a:endParaRPr lang="ko-KR" altLang="en-US"/>
           </a:p>
@@ -1052,7 +1052,7 @@
           <a:p>
             <a:fld id="{ACDEFF3B-8A07-4FB1-9BE4-BDB72A1F7CD9}" type="datetimeFigureOut">
               <a:rPr lang="ko-KR" altLang="en-US" smtClean="0"/>
-              <a:t>2020-08-04</a:t>
+              <a:t>2020-08-08</a:t>
             </a:fld>
             <a:endParaRPr lang="ko-KR" altLang="en-US"/>
           </a:p>
@@ -1222,7 +1222,7 @@
           <a:p>
             <a:fld id="{ACDEFF3B-8A07-4FB1-9BE4-BDB72A1F7CD9}" type="datetimeFigureOut">
               <a:rPr lang="ko-KR" altLang="en-US" smtClean="0"/>
-              <a:t>2020-08-04</a:t>
+              <a:t>2020-08-08</a:t>
             </a:fld>
             <a:endParaRPr lang="ko-KR" altLang="en-US"/>
           </a:p>
@@ -1468,7 +1468,7 @@
           <a:p>
             <a:fld id="{ACDEFF3B-8A07-4FB1-9BE4-BDB72A1F7CD9}" type="datetimeFigureOut">
               <a:rPr lang="ko-KR" altLang="en-US" smtClean="0"/>
-              <a:t>2020-08-04</a:t>
+              <a:t>2020-08-08</a:t>
             </a:fld>
             <a:endParaRPr lang="ko-KR" altLang="en-US"/>
           </a:p>
@@ -1700,7 +1700,7 @@
           <a:p>
             <a:fld id="{ACDEFF3B-8A07-4FB1-9BE4-BDB72A1F7CD9}" type="datetimeFigureOut">
               <a:rPr lang="ko-KR" altLang="en-US" smtClean="0"/>
-              <a:t>2020-08-04</a:t>
+              <a:t>2020-08-08</a:t>
             </a:fld>
             <a:endParaRPr lang="ko-KR" altLang="en-US"/>
           </a:p>
@@ -2067,7 +2067,7 @@
           <a:p>
             <a:fld id="{ACDEFF3B-8A07-4FB1-9BE4-BDB72A1F7CD9}" type="datetimeFigureOut">
               <a:rPr lang="ko-KR" altLang="en-US" smtClean="0"/>
-              <a:t>2020-08-04</a:t>
+              <a:t>2020-08-08</a:t>
             </a:fld>
             <a:endParaRPr lang="ko-KR" altLang="en-US"/>
           </a:p>
@@ -2185,7 +2185,7 @@
           <a:p>
             <a:fld id="{ACDEFF3B-8A07-4FB1-9BE4-BDB72A1F7CD9}" type="datetimeFigureOut">
               <a:rPr lang="ko-KR" altLang="en-US" smtClean="0"/>
-              <a:t>2020-08-04</a:t>
+              <a:t>2020-08-08</a:t>
             </a:fld>
             <a:endParaRPr lang="ko-KR" altLang="en-US"/>
           </a:p>
@@ -2280,7 +2280,7 @@
           <a:p>
             <a:fld id="{ACDEFF3B-8A07-4FB1-9BE4-BDB72A1F7CD9}" type="datetimeFigureOut">
               <a:rPr lang="ko-KR" altLang="en-US" smtClean="0"/>
-              <a:t>2020-08-04</a:t>
+              <a:t>2020-08-08</a:t>
             </a:fld>
             <a:endParaRPr lang="ko-KR" altLang="en-US"/>
           </a:p>
@@ -2557,7 +2557,7 @@
           <a:p>
             <a:fld id="{ACDEFF3B-8A07-4FB1-9BE4-BDB72A1F7CD9}" type="datetimeFigureOut">
               <a:rPr lang="ko-KR" altLang="en-US" smtClean="0"/>
-              <a:t>2020-08-04</a:t>
+              <a:t>2020-08-08</a:t>
             </a:fld>
             <a:endParaRPr lang="ko-KR" altLang="en-US"/>
           </a:p>
@@ -2810,7 +2810,7 @@
           <a:p>
             <a:fld id="{ACDEFF3B-8A07-4FB1-9BE4-BDB72A1F7CD9}" type="datetimeFigureOut">
               <a:rPr lang="ko-KR" altLang="en-US" smtClean="0"/>
-              <a:t>2020-08-04</a:t>
+              <a:t>2020-08-08</a:t>
             </a:fld>
             <a:endParaRPr lang="ko-KR" altLang="en-US"/>
           </a:p>
@@ -3023,7 +3023,7 @@
           <a:p>
             <a:fld id="{ACDEFF3B-8A07-4FB1-9BE4-BDB72A1F7CD9}" type="datetimeFigureOut">
               <a:rPr lang="ko-KR" altLang="en-US" smtClean="0"/>
-              <a:t>2020-08-04</a:t>
+              <a:t>2020-08-08</a:t>
             </a:fld>
             <a:endParaRPr lang="ko-KR" altLang="en-US"/>
           </a:p>
